--- a/predavanja/prezentacije/OOP12-Unutrasnje klase.pptx
+++ b/predavanja/prezentacije/OOP12-Unutrasnje klase.pptx
@@ -18740,15 +18740,7 @@
                   <a:srgbClr val="3366FF"/>
                 </a:solidFill>
               </a:rPr>
-              <a:t>Унутрашње </a:t>
-            </a:r>
-            <a:r>
-              <a:rPr lang="sr-Cyrl-RS" altLang="en-US" sz="5400" dirty="0" smtClean="0">
-                <a:solidFill>
-                  <a:srgbClr val="3366FF"/>
-                </a:solidFill>
-              </a:rPr>
-              <a:t>класе</a:t>
+              <a:t>Унутрашње класе</a:t>
             </a:r>
             <a:endParaRPr lang="sr-Latn-CS" altLang="en-US" sz="5400" dirty="0" smtClean="0">
               <a:solidFill>
@@ -21857,7 +21849,7 @@
           <a:graphicData uri="http://schemas.openxmlformats.org/presentationml/2006/ole">
             <mc:AlternateContent xmlns:mc="http://schemas.openxmlformats.org/markup-compatibility/2006">
               <mc:Choice xmlns:v="urn:schemas-microsoft-com:vml" Requires="v">
-                <p:oleObj spid="_x0000_s13357" name="Bitmap Image" r:id="rId3" imgW="6620799" imgH="4371429" progId="Paint.Picture">
+                <p:oleObj spid="_x0000_s13358" name="Bitmap Image" r:id="rId3" imgW="6620799" imgH="4371429" progId="Paint.Picture">
                   <p:embed/>
                 </p:oleObj>
               </mc:Choice>

--- a/predavanja/prezentacije/OOP12-Unutrasnje klase.pptx
+++ b/predavanja/prezentacije/OOP12-Unutrasnje klase.pptx
@@ -266,7 +266,7 @@
               <a:pPr>
                 <a:defRPr/>
               </a:pPr>
-              <a:t>3/23/2020</a:t>
+              <a:t>4/2/2020</a:t>
             </a:fld>
             <a:endParaRPr lang="en-US"/>
           </a:p>
@@ -2813,6 +2813,13 @@
   <p:clrMapOvr>
     <a:masterClrMapping/>
   </p:clrMapOvr>
+  <p:timing>
+    <p:tnLst>
+      <p:par>
+        <p:cTn id="1" dur="indefinite" restart="never" nodeType="tmRoot"/>
+      </p:par>
+    </p:tnLst>
+  </p:timing>
 </p:sldLayout>
 </file>
 
@@ -5024,55 +5031,13 @@
               <a:rPr lang="ru-RU" altLang="en-US" sz="2400" dirty="0" smtClean="0">
                 <a:latin typeface="Garamond" panose="02020404030301010803" pitchFamily="18" charset="0"/>
               </a:rPr>
-              <a:t>Последом </a:t>
-            </a:r>
-            <a:r>
-              <a:rPr lang="ru-RU" altLang="en-US" sz="2400" dirty="0" err="1" smtClean="0">
-                <a:latin typeface="Garamond" panose="02020404030301010803" pitchFamily="18" charset="0"/>
-              </a:rPr>
-              <a:t>наредбом</a:t>
+              <a:t>Последњом наредбом у примеру који следи </a:t>
             </a:r>
             <a:r>
               <a:rPr lang="ru-RU" altLang="en-US" sz="2400" dirty="0" smtClean="0">
                 <a:latin typeface="Garamond" panose="02020404030301010803" pitchFamily="18" charset="0"/>
               </a:rPr>
-              <a:t> </a:t>
-            </a:r>
-            <a:r>
-              <a:rPr lang="ru-RU" altLang="en-US" sz="2400" dirty="0" err="1" smtClean="0">
-                <a:latin typeface="Garamond" panose="02020404030301010803" pitchFamily="18" charset="0"/>
-              </a:rPr>
-              <a:t>је</a:t>
-            </a:r>
-            <a:r>
-              <a:rPr lang="ru-RU" altLang="en-US" sz="2400" dirty="0" smtClean="0">
-                <a:latin typeface="Garamond" panose="02020404030301010803" pitchFamily="18" charset="0"/>
-              </a:rPr>
-              <a:t> </a:t>
-            </a:r>
-            <a:r>
-              <a:rPr lang="ru-RU" altLang="en-US" sz="2400" dirty="0" err="1" smtClean="0">
-                <a:latin typeface="Garamond" panose="02020404030301010803" pitchFamily="18" charset="0"/>
-              </a:rPr>
-              <a:t>креиран</a:t>
-            </a:r>
-            <a:r>
-              <a:rPr lang="ru-RU" altLang="en-US" sz="2400" dirty="0" smtClean="0">
-                <a:latin typeface="Garamond" panose="02020404030301010803" pitchFamily="18" charset="0"/>
-              </a:rPr>
-              <a:t> </a:t>
-            </a:r>
-            <a:r>
-              <a:rPr lang="ru-RU" altLang="en-US" sz="2400" dirty="0" err="1" smtClean="0">
-                <a:latin typeface="Garamond" panose="02020404030301010803" pitchFamily="18" charset="0"/>
-              </a:rPr>
-              <a:t>објекат</a:t>
-            </a:r>
-            <a:r>
-              <a:rPr lang="ru-RU" altLang="en-US" sz="2400" dirty="0" smtClean="0">
-                <a:latin typeface="Garamond" panose="02020404030301010803" pitchFamily="18" charset="0"/>
-              </a:rPr>
-              <a:t> типа </a:t>
+              <a:t>је креиран објекат типа </a:t>
             </a:r>
             <a:r>
               <a:rPr lang="en-US" altLang="en-US" sz="1800" dirty="0" err="1" smtClean="0"/>
@@ -6378,33 +6343,15 @@
                                   </p:childTnLst>
                                 </p:cTn>
                               </p:par>
-                            </p:childTnLst>
-                          </p:cTn>
-                        </p:par>
-                      </p:childTnLst>
-                    </p:cTn>
-                  </p:par>
-                  <p:par>
-                    <p:cTn id="34" fill="hold">
-                      <p:stCondLst>
-                        <p:cond delay="indefinite"/>
-                      </p:stCondLst>
-                      <p:childTnLst>
-                        <p:par>
-                          <p:cTn id="35" fill="hold">
-                            <p:stCondLst>
-                              <p:cond delay="0"/>
-                            </p:stCondLst>
-                            <p:childTnLst>
                               <p:par>
-                                <p:cTn id="36" presetID="10" presetClass="entr" presetSubtype="0" fill="hold" nodeType="clickEffect">
+                                <p:cTn id="34" presetID="10" presetClass="entr" presetSubtype="0" fill="hold" nodeType="withEffect">
                                   <p:stCondLst>
                                     <p:cond delay="0"/>
                                   </p:stCondLst>
                                   <p:childTnLst>
                                     <p:set>
                                       <p:cBhvr>
-                                        <p:cTn id="37" dur="1" fill="hold">
+                                        <p:cTn id="35" dur="1" fill="hold">
                                           <p:stCondLst>
                                             <p:cond delay="0"/>
                                           </p:stCondLst>
@@ -6426,7 +6373,7 @@
                                     </p:set>
                                     <p:animEffect transition="in" filter="fade">
                                       <p:cBhvr>
-                                        <p:cTn id="38" dur="500"/>
+                                        <p:cTn id="36" dur="500"/>
                                         <p:tgtEl>
                                           <p:spTgt spid="16386">
                                             <p:txEl>
@@ -20158,7 +20105,7 @@
                                         <p:tgtEl>
                                           <p:spTgt spid="25602">
                                             <p:txEl>
-                                              <p:pRg st="12" end="12"/>
+                                              <p:pRg st="4" end="4"/>
                                             </p:txEl>
                                           </p:spTgt>
                                         </p:tgtEl>
@@ -20173,6 +20120,350 @@
                                     <p:animEffect transition="in" filter="fade">
                                       <p:cBhvr>
                                         <p:cTn id="23" dur="500"/>
+                                        <p:tgtEl>
+                                          <p:spTgt spid="25602">
+                                            <p:txEl>
+                                              <p:pRg st="4" end="4"/>
+                                            </p:txEl>
+                                          </p:spTgt>
+                                        </p:tgtEl>
+                                      </p:cBhvr>
+                                    </p:animEffect>
+                                  </p:childTnLst>
+                                </p:cTn>
+                              </p:par>
+                              <p:par>
+                                <p:cTn id="24" presetID="10" presetClass="entr" presetSubtype="0" fill="hold" nodeType="withEffect">
+                                  <p:stCondLst>
+                                    <p:cond delay="0"/>
+                                  </p:stCondLst>
+                                  <p:childTnLst>
+                                    <p:set>
+                                      <p:cBhvr>
+                                        <p:cTn id="25" dur="1" fill="hold">
+                                          <p:stCondLst>
+                                            <p:cond delay="0"/>
+                                          </p:stCondLst>
+                                        </p:cTn>
+                                        <p:tgtEl>
+                                          <p:spTgt spid="25602">
+                                            <p:txEl>
+                                              <p:pRg st="5" end="5"/>
+                                            </p:txEl>
+                                          </p:spTgt>
+                                        </p:tgtEl>
+                                        <p:attrNameLst>
+                                          <p:attrName>style.visibility</p:attrName>
+                                        </p:attrNameLst>
+                                      </p:cBhvr>
+                                      <p:to>
+                                        <p:strVal val="visible"/>
+                                      </p:to>
+                                    </p:set>
+                                    <p:animEffect transition="in" filter="fade">
+                                      <p:cBhvr>
+                                        <p:cTn id="26" dur="500"/>
+                                        <p:tgtEl>
+                                          <p:spTgt spid="25602">
+                                            <p:txEl>
+                                              <p:pRg st="5" end="5"/>
+                                            </p:txEl>
+                                          </p:spTgt>
+                                        </p:tgtEl>
+                                      </p:cBhvr>
+                                    </p:animEffect>
+                                  </p:childTnLst>
+                                </p:cTn>
+                              </p:par>
+                              <p:par>
+                                <p:cTn id="27" presetID="10" presetClass="entr" presetSubtype="0" fill="hold" nodeType="withEffect">
+                                  <p:stCondLst>
+                                    <p:cond delay="0"/>
+                                  </p:stCondLst>
+                                  <p:childTnLst>
+                                    <p:set>
+                                      <p:cBhvr>
+                                        <p:cTn id="28" dur="1" fill="hold">
+                                          <p:stCondLst>
+                                            <p:cond delay="0"/>
+                                          </p:stCondLst>
+                                        </p:cTn>
+                                        <p:tgtEl>
+                                          <p:spTgt spid="25602">
+                                            <p:txEl>
+                                              <p:pRg st="6" end="6"/>
+                                            </p:txEl>
+                                          </p:spTgt>
+                                        </p:tgtEl>
+                                        <p:attrNameLst>
+                                          <p:attrName>style.visibility</p:attrName>
+                                        </p:attrNameLst>
+                                      </p:cBhvr>
+                                      <p:to>
+                                        <p:strVal val="visible"/>
+                                      </p:to>
+                                    </p:set>
+                                    <p:animEffect transition="in" filter="fade">
+                                      <p:cBhvr>
+                                        <p:cTn id="29" dur="500"/>
+                                        <p:tgtEl>
+                                          <p:spTgt spid="25602">
+                                            <p:txEl>
+                                              <p:pRg st="6" end="6"/>
+                                            </p:txEl>
+                                          </p:spTgt>
+                                        </p:tgtEl>
+                                      </p:cBhvr>
+                                    </p:animEffect>
+                                  </p:childTnLst>
+                                </p:cTn>
+                              </p:par>
+                              <p:par>
+                                <p:cTn id="30" presetID="10" presetClass="entr" presetSubtype="0" fill="hold" nodeType="withEffect">
+                                  <p:stCondLst>
+                                    <p:cond delay="0"/>
+                                  </p:stCondLst>
+                                  <p:childTnLst>
+                                    <p:set>
+                                      <p:cBhvr>
+                                        <p:cTn id="31" dur="1" fill="hold">
+                                          <p:stCondLst>
+                                            <p:cond delay="0"/>
+                                          </p:stCondLst>
+                                        </p:cTn>
+                                        <p:tgtEl>
+                                          <p:spTgt spid="25602">
+                                            <p:txEl>
+                                              <p:pRg st="7" end="7"/>
+                                            </p:txEl>
+                                          </p:spTgt>
+                                        </p:tgtEl>
+                                        <p:attrNameLst>
+                                          <p:attrName>style.visibility</p:attrName>
+                                        </p:attrNameLst>
+                                      </p:cBhvr>
+                                      <p:to>
+                                        <p:strVal val="visible"/>
+                                      </p:to>
+                                    </p:set>
+                                    <p:animEffect transition="in" filter="fade">
+                                      <p:cBhvr>
+                                        <p:cTn id="32" dur="500"/>
+                                        <p:tgtEl>
+                                          <p:spTgt spid="25602">
+                                            <p:txEl>
+                                              <p:pRg st="7" end="7"/>
+                                            </p:txEl>
+                                          </p:spTgt>
+                                        </p:tgtEl>
+                                      </p:cBhvr>
+                                    </p:animEffect>
+                                  </p:childTnLst>
+                                </p:cTn>
+                              </p:par>
+                              <p:par>
+                                <p:cTn id="33" presetID="10" presetClass="entr" presetSubtype="0" fill="hold" nodeType="withEffect">
+                                  <p:stCondLst>
+                                    <p:cond delay="0"/>
+                                  </p:stCondLst>
+                                  <p:childTnLst>
+                                    <p:set>
+                                      <p:cBhvr>
+                                        <p:cTn id="34" dur="1" fill="hold">
+                                          <p:stCondLst>
+                                            <p:cond delay="0"/>
+                                          </p:stCondLst>
+                                        </p:cTn>
+                                        <p:tgtEl>
+                                          <p:spTgt spid="25602">
+                                            <p:txEl>
+                                              <p:pRg st="8" end="8"/>
+                                            </p:txEl>
+                                          </p:spTgt>
+                                        </p:tgtEl>
+                                        <p:attrNameLst>
+                                          <p:attrName>style.visibility</p:attrName>
+                                        </p:attrNameLst>
+                                      </p:cBhvr>
+                                      <p:to>
+                                        <p:strVal val="visible"/>
+                                      </p:to>
+                                    </p:set>
+                                    <p:animEffect transition="in" filter="fade">
+                                      <p:cBhvr>
+                                        <p:cTn id="35" dur="500"/>
+                                        <p:tgtEl>
+                                          <p:spTgt spid="25602">
+                                            <p:txEl>
+                                              <p:pRg st="8" end="8"/>
+                                            </p:txEl>
+                                          </p:spTgt>
+                                        </p:tgtEl>
+                                      </p:cBhvr>
+                                    </p:animEffect>
+                                  </p:childTnLst>
+                                </p:cTn>
+                              </p:par>
+                              <p:par>
+                                <p:cTn id="36" presetID="10" presetClass="entr" presetSubtype="0" fill="hold" nodeType="withEffect">
+                                  <p:stCondLst>
+                                    <p:cond delay="0"/>
+                                  </p:stCondLst>
+                                  <p:childTnLst>
+                                    <p:set>
+                                      <p:cBhvr>
+                                        <p:cTn id="37" dur="1" fill="hold">
+                                          <p:stCondLst>
+                                            <p:cond delay="0"/>
+                                          </p:stCondLst>
+                                        </p:cTn>
+                                        <p:tgtEl>
+                                          <p:spTgt spid="25602">
+                                            <p:txEl>
+                                              <p:pRg st="9" end="9"/>
+                                            </p:txEl>
+                                          </p:spTgt>
+                                        </p:tgtEl>
+                                        <p:attrNameLst>
+                                          <p:attrName>style.visibility</p:attrName>
+                                        </p:attrNameLst>
+                                      </p:cBhvr>
+                                      <p:to>
+                                        <p:strVal val="visible"/>
+                                      </p:to>
+                                    </p:set>
+                                    <p:animEffect transition="in" filter="fade">
+                                      <p:cBhvr>
+                                        <p:cTn id="38" dur="500"/>
+                                        <p:tgtEl>
+                                          <p:spTgt spid="25602">
+                                            <p:txEl>
+                                              <p:pRg st="9" end="9"/>
+                                            </p:txEl>
+                                          </p:spTgt>
+                                        </p:tgtEl>
+                                      </p:cBhvr>
+                                    </p:animEffect>
+                                  </p:childTnLst>
+                                </p:cTn>
+                              </p:par>
+                              <p:par>
+                                <p:cTn id="39" presetID="10" presetClass="entr" presetSubtype="0" fill="hold" nodeType="withEffect">
+                                  <p:stCondLst>
+                                    <p:cond delay="0"/>
+                                  </p:stCondLst>
+                                  <p:childTnLst>
+                                    <p:set>
+                                      <p:cBhvr>
+                                        <p:cTn id="40" dur="1" fill="hold">
+                                          <p:stCondLst>
+                                            <p:cond delay="0"/>
+                                          </p:stCondLst>
+                                        </p:cTn>
+                                        <p:tgtEl>
+                                          <p:spTgt spid="25602">
+                                            <p:txEl>
+                                              <p:pRg st="10" end="10"/>
+                                            </p:txEl>
+                                          </p:spTgt>
+                                        </p:tgtEl>
+                                        <p:attrNameLst>
+                                          <p:attrName>style.visibility</p:attrName>
+                                        </p:attrNameLst>
+                                      </p:cBhvr>
+                                      <p:to>
+                                        <p:strVal val="visible"/>
+                                      </p:to>
+                                    </p:set>
+                                    <p:animEffect transition="in" filter="fade">
+                                      <p:cBhvr>
+                                        <p:cTn id="41" dur="500"/>
+                                        <p:tgtEl>
+                                          <p:spTgt spid="25602">
+                                            <p:txEl>
+                                              <p:pRg st="10" end="10"/>
+                                            </p:txEl>
+                                          </p:spTgt>
+                                        </p:tgtEl>
+                                      </p:cBhvr>
+                                    </p:animEffect>
+                                  </p:childTnLst>
+                                </p:cTn>
+                              </p:par>
+                              <p:par>
+                                <p:cTn id="42" presetID="10" presetClass="entr" presetSubtype="0" fill="hold" nodeType="withEffect">
+                                  <p:stCondLst>
+                                    <p:cond delay="0"/>
+                                  </p:stCondLst>
+                                  <p:childTnLst>
+                                    <p:set>
+                                      <p:cBhvr>
+                                        <p:cTn id="43" dur="1" fill="hold">
+                                          <p:stCondLst>
+                                            <p:cond delay="0"/>
+                                          </p:stCondLst>
+                                        </p:cTn>
+                                        <p:tgtEl>
+                                          <p:spTgt spid="25602">
+                                            <p:txEl>
+                                              <p:pRg st="11" end="11"/>
+                                            </p:txEl>
+                                          </p:spTgt>
+                                        </p:tgtEl>
+                                        <p:attrNameLst>
+                                          <p:attrName>style.visibility</p:attrName>
+                                        </p:attrNameLst>
+                                      </p:cBhvr>
+                                      <p:to>
+                                        <p:strVal val="visible"/>
+                                      </p:to>
+                                    </p:set>
+                                    <p:animEffect transition="in" filter="fade">
+                                      <p:cBhvr>
+                                        <p:cTn id="44" dur="500"/>
+                                        <p:tgtEl>
+                                          <p:spTgt spid="25602">
+                                            <p:txEl>
+                                              <p:pRg st="11" end="11"/>
+                                            </p:txEl>
+                                          </p:spTgt>
+                                        </p:tgtEl>
+                                      </p:cBhvr>
+                                    </p:animEffect>
+                                  </p:childTnLst>
+                                </p:cTn>
+                              </p:par>
+                              <p:par>
+                                <p:cTn id="45" presetID="10" presetClass="entr" presetSubtype="0" fill="hold" nodeType="withEffect">
+                                  <p:stCondLst>
+                                    <p:cond delay="0"/>
+                                  </p:stCondLst>
+                                  <p:childTnLst>
+                                    <p:set>
+                                      <p:cBhvr>
+                                        <p:cTn id="46" dur="1" fill="hold">
+                                          <p:stCondLst>
+                                            <p:cond delay="0"/>
+                                          </p:stCondLst>
+                                        </p:cTn>
+                                        <p:tgtEl>
+                                          <p:spTgt spid="25602">
+                                            <p:txEl>
+                                              <p:pRg st="12" end="12"/>
+                                            </p:txEl>
+                                          </p:spTgt>
+                                        </p:tgtEl>
+                                        <p:attrNameLst>
+                                          <p:attrName>style.visibility</p:attrName>
+                                        </p:attrNameLst>
+                                      </p:cBhvr>
+                                      <p:to>
+                                        <p:strVal val="visible"/>
+                                      </p:to>
+                                    </p:set>
+                                    <p:animEffect transition="in" filter="fade">
+                                      <p:cBhvr>
+                                        <p:cTn id="47" dur="500"/>
                                         <p:tgtEl>
                                           <p:spTgt spid="25602">
                                             <p:txEl>
@@ -20192,26 +20483,26 @@
                     </p:cTn>
                   </p:par>
                   <p:par>
-                    <p:cTn id="24" fill="hold">
+                    <p:cTn id="48" fill="hold">
                       <p:stCondLst>
                         <p:cond delay="indefinite"/>
                       </p:stCondLst>
                       <p:childTnLst>
                         <p:par>
-                          <p:cTn id="25" fill="hold">
+                          <p:cTn id="49" fill="hold">
                             <p:stCondLst>
                               <p:cond delay="0"/>
                             </p:stCondLst>
                             <p:childTnLst>
                               <p:par>
-                                <p:cTn id="26" presetID="10" presetClass="entr" presetSubtype="0" fill="hold" nodeType="clickEffect">
+                                <p:cTn id="50" presetID="10" presetClass="entr" presetSubtype="0" fill="hold" nodeType="clickEffect">
                                   <p:stCondLst>
                                     <p:cond delay="0"/>
                                   </p:stCondLst>
                                   <p:childTnLst>
                                     <p:set>
                                       <p:cBhvr>
-                                        <p:cTn id="27" dur="1" fill="hold">
+                                        <p:cTn id="51" dur="1" fill="hold">
                                           <p:stCondLst>
                                             <p:cond delay="0"/>
                                           </p:stCondLst>
@@ -20219,7 +20510,7 @@
                                         <p:tgtEl>
                                           <p:spTgt spid="25602">
                                             <p:txEl>
-                                              <p:pRg st="4" end="4"/>
+                                              <p:pRg st="13" end="13"/>
                                             </p:txEl>
                                           </p:spTgt>
                                         </p:tgtEl>
@@ -20233,387 +20524,7 @@
                                     </p:set>
                                     <p:animEffect transition="in" filter="fade">
                                       <p:cBhvr>
-                                        <p:cTn id="28" dur="500"/>
-                                        <p:tgtEl>
-                                          <p:spTgt spid="25602">
-                                            <p:txEl>
-                                              <p:pRg st="4" end="4"/>
-                                            </p:txEl>
-                                          </p:spTgt>
-                                        </p:tgtEl>
-                                      </p:cBhvr>
-                                    </p:animEffect>
-                                  </p:childTnLst>
-                                </p:cTn>
-                              </p:par>
-                              <p:par>
-                                <p:cTn id="29" presetID="10" presetClass="entr" presetSubtype="0" fill="hold" nodeType="withEffect">
-                                  <p:stCondLst>
-                                    <p:cond delay="0"/>
-                                  </p:stCondLst>
-                                  <p:childTnLst>
-                                    <p:set>
-                                      <p:cBhvr>
-                                        <p:cTn id="30" dur="1" fill="hold">
-                                          <p:stCondLst>
-                                            <p:cond delay="0"/>
-                                          </p:stCondLst>
-                                        </p:cTn>
-                                        <p:tgtEl>
-                                          <p:spTgt spid="25602">
-                                            <p:txEl>
-                                              <p:pRg st="5" end="5"/>
-                                            </p:txEl>
-                                          </p:spTgt>
-                                        </p:tgtEl>
-                                        <p:attrNameLst>
-                                          <p:attrName>style.visibility</p:attrName>
-                                        </p:attrNameLst>
-                                      </p:cBhvr>
-                                      <p:to>
-                                        <p:strVal val="visible"/>
-                                      </p:to>
-                                    </p:set>
-                                    <p:animEffect transition="in" filter="fade">
-                                      <p:cBhvr>
-                                        <p:cTn id="31" dur="500"/>
-                                        <p:tgtEl>
-                                          <p:spTgt spid="25602">
-                                            <p:txEl>
-                                              <p:pRg st="5" end="5"/>
-                                            </p:txEl>
-                                          </p:spTgt>
-                                        </p:tgtEl>
-                                      </p:cBhvr>
-                                    </p:animEffect>
-                                  </p:childTnLst>
-                                </p:cTn>
-                              </p:par>
-                              <p:par>
-                                <p:cTn id="32" presetID="10" presetClass="entr" presetSubtype="0" fill="hold" nodeType="withEffect">
-                                  <p:stCondLst>
-                                    <p:cond delay="0"/>
-                                  </p:stCondLst>
-                                  <p:childTnLst>
-                                    <p:set>
-                                      <p:cBhvr>
-                                        <p:cTn id="33" dur="1" fill="hold">
-                                          <p:stCondLst>
-                                            <p:cond delay="0"/>
-                                          </p:stCondLst>
-                                        </p:cTn>
-                                        <p:tgtEl>
-                                          <p:spTgt spid="25602">
-                                            <p:txEl>
-                                              <p:pRg st="6" end="6"/>
-                                            </p:txEl>
-                                          </p:spTgt>
-                                        </p:tgtEl>
-                                        <p:attrNameLst>
-                                          <p:attrName>style.visibility</p:attrName>
-                                        </p:attrNameLst>
-                                      </p:cBhvr>
-                                      <p:to>
-                                        <p:strVal val="visible"/>
-                                      </p:to>
-                                    </p:set>
-                                    <p:animEffect transition="in" filter="fade">
-                                      <p:cBhvr>
-                                        <p:cTn id="34" dur="500"/>
-                                        <p:tgtEl>
-                                          <p:spTgt spid="25602">
-                                            <p:txEl>
-                                              <p:pRg st="6" end="6"/>
-                                            </p:txEl>
-                                          </p:spTgt>
-                                        </p:tgtEl>
-                                      </p:cBhvr>
-                                    </p:animEffect>
-                                  </p:childTnLst>
-                                </p:cTn>
-                              </p:par>
-                              <p:par>
-                                <p:cTn id="35" presetID="10" presetClass="entr" presetSubtype="0" fill="hold" nodeType="withEffect">
-                                  <p:stCondLst>
-                                    <p:cond delay="0"/>
-                                  </p:stCondLst>
-                                  <p:childTnLst>
-                                    <p:set>
-                                      <p:cBhvr>
-                                        <p:cTn id="36" dur="1" fill="hold">
-                                          <p:stCondLst>
-                                            <p:cond delay="0"/>
-                                          </p:stCondLst>
-                                        </p:cTn>
-                                        <p:tgtEl>
-                                          <p:spTgt spid="25602">
-                                            <p:txEl>
-                                              <p:pRg st="7" end="7"/>
-                                            </p:txEl>
-                                          </p:spTgt>
-                                        </p:tgtEl>
-                                        <p:attrNameLst>
-                                          <p:attrName>style.visibility</p:attrName>
-                                        </p:attrNameLst>
-                                      </p:cBhvr>
-                                      <p:to>
-                                        <p:strVal val="visible"/>
-                                      </p:to>
-                                    </p:set>
-                                    <p:animEffect transition="in" filter="fade">
-                                      <p:cBhvr>
-                                        <p:cTn id="37" dur="500"/>
-                                        <p:tgtEl>
-                                          <p:spTgt spid="25602">
-                                            <p:txEl>
-                                              <p:pRg st="7" end="7"/>
-                                            </p:txEl>
-                                          </p:spTgt>
-                                        </p:tgtEl>
-                                      </p:cBhvr>
-                                    </p:animEffect>
-                                  </p:childTnLst>
-                                </p:cTn>
-                              </p:par>
-                            </p:childTnLst>
-                          </p:cTn>
-                        </p:par>
-                      </p:childTnLst>
-                    </p:cTn>
-                  </p:par>
-                  <p:par>
-                    <p:cTn id="38" fill="hold">
-                      <p:stCondLst>
-                        <p:cond delay="indefinite"/>
-                      </p:stCondLst>
-                      <p:childTnLst>
-                        <p:par>
-                          <p:cTn id="39" fill="hold">
-                            <p:stCondLst>
-                              <p:cond delay="0"/>
-                            </p:stCondLst>
-                            <p:childTnLst>
-                              <p:par>
-                                <p:cTn id="40" presetID="10" presetClass="entr" presetSubtype="0" fill="hold" nodeType="clickEffect">
-                                  <p:stCondLst>
-                                    <p:cond delay="0"/>
-                                  </p:stCondLst>
-                                  <p:childTnLst>
-                                    <p:set>
-                                      <p:cBhvr>
-                                        <p:cTn id="41" dur="1" fill="hold">
-                                          <p:stCondLst>
-                                            <p:cond delay="0"/>
-                                          </p:stCondLst>
-                                        </p:cTn>
-                                        <p:tgtEl>
-                                          <p:spTgt spid="25602">
-                                            <p:txEl>
-                                              <p:pRg st="8" end="8"/>
-                                            </p:txEl>
-                                          </p:spTgt>
-                                        </p:tgtEl>
-                                        <p:attrNameLst>
-                                          <p:attrName>style.visibility</p:attrName>
-                                        </p:attrNameLst>
-                                      </p:cBhvr>
-                                      <p:to>
-                                        <p:strVal val="visible"/>
-                                      </p:to>
-                                    </p:set>
-                                    <p:animEffect transition="in" filter="fade">
-                                      <p:cBhvr>
-                                        <p:cTn id="42" dur="500"/>
-                                        <p:tgtEl>
-                                          <p:spTgt spid="25602">
-                                            <p:txEl>
-                                              <p:pRg st="8" end="8"/>
-                                            </p:txEl>
-                                          </p:spTgt>
-                                        </p:tgtEl>
-                                      </p:cBhvr>
-                                    </p:animEffect>
-                                  </p:childTnLst>
-                                </p:cTn>
-                              </p:par>
-                              <p:par>
-                                <p:cTn id="43" presetID="10" presetClass="entr" presetSubtype="0" fill="hold" nodeType="withEffect">
-                                  <p:stCondLst>
-                                    <p:cond delay="0"/>
-                                  </p:stCondLst>
-                                  <p:childTnLst>
-                                    <p:set>
-                                      <p:cBhvr>
-                                        <p:cTn id="44" dur="1" fill="hold">
-                                          <p:stCondLst>
-                                            <p:cond delay="0"/>
-                                          </p:stCondLst>
-                                        </p:cTn>
-                                        <p:tgtEl>
-                                          <p:spTgt spid="25602">
-                                            <p:txEl>
-                                              <p:pRg st="9" end="9"/>
-                                            </p:txEl>
-                                          </p:spTgt>
-                                        </p:tgtEl>
-                                        <p:attrNameLst>
-                                          <p:attrName>style.visibility</p:attrName>
-                                        </p:attrNameLst>
-                                      </p:cBhvr>
-                                      <p:to>
-                                        <p:strVal val="visible"/>
-                                      </p:to>
-                                    </p:set>
-                                    <p:animEffect transition="in" filter="fade">
-                                      <p:cBhvr>
-                                        <p:cTn id="45" dur="500"/>
-                                        <p:tgtEl>
-                                          <p:spTgt spid="25602">
-                                            <p:txEl>
-                                              <p:pRg st="9" end="9"/>
-                                            </p:txEl>
-                                          </p:spTgt>
-                                        </p:tgtEl>
-                                      </p:cBhvr>
-                                    </p:animEffect>
-                                  </p:childTnLst>
-                                </p:cTn>
-                              </p:par>
-                              <p:par>
-                                <p:cTn id="46" presetID="10" presetClass="entr" presetSubtype="0" fill="hold" nodeType="withEffect">
-                                  <p:stCondLst>
-                                    <p:cond delay="0"/>
-                                  </p:stCondLst>
-                                  <p:childTnLst>
-                                    <p:set>
-                                      <p:cBhvr>
-                                        <p:cTn id="47" dur="1" fill="hold">
-                                          <p:stCondLst>
-                                            <p:cond delay="0"/>
-                                          </p:stCondLst>
-                                        </p:cTn>
-                                        <p:tgtEl>
-                                          <p:spTgt spid="25602">
-                                            <p:txEl>
-                                              <p:pRg st="10" end="10"/>
-                                            </p:txEl>
-                                          </p:spTgt>
-                                        </p:tgtEl>
-                                        <p:attrNameLst>
-                                          <p:attrName>style.visibility</p:attrName>
-                                        </p:attrNameLst>
-                                      </p:cBhvr>
-                                      <p:to>
-                                        <p:strVal val="visible"/>
-                                      </p:to>
-                                    </p:set>
-                                    <p:animEffect transition="in" filter="fade">
-                                      <p:cBhvr>
-                                        <p:cTn id="48" dur="500"/>
-                                        <p:tgtEl>
-                                          <p:spTgt spid="25602">
-                                            <p:txEl>
-                                              <p:pRg st="10" end="10"/>
-                                            </p:txEl>
-                                          </p:spTgt>
-                                        </p:tgtEl>
-                                      </p:cBhvr>
-                                    </p:animEffect>
-                                  </p:childTnLst>
-                                </p:cTn>
-                              </p:par>
-                              <p:par>
-                                <p:cTn id="49" presetID="10" presetClass="entr" presetSubtype="0" fill="hold" nodeType="withEffect">
-                                  <p:stCondLst>
-                                    <p:cond delay="0"/>
-                                  </p:stCondLst>
-                                  <p:childTnLst>
-                                    <p:set>
-                                      <p:cBhvr>
-                                        <p:cTn id="50" dur="1" fill="hold">
-                                          <p:stCondLst>
-                                            <p:cond delay="0"/>
-                                          </p:stCondLst>
-                                        </p:cTn>
-                                        <p:tgtEl>
-                                          <p:spTgt spid="25602">
-                                            <p:txEl>
-                                              <p:pRg st="11" end="11"/>
-                                            </p:txEl>
-                                          </p:spTgt>
-                                        </p:tgtEl>
-                                        <p:attrNameLst>
-                                          <p:attrName>style.visibility</p:attrName>
-                                        </p:attrNameLst>
-                                      </p:cBhvr>
-                                      <p:to>
-                                        <p:strVal val="visible"/>
-                                      </p:to>
-                                    </p:set>
-                                    <p:animEffect transition="in" filter="fade">
-                                      <p:cBhvr>
-                                        <p:cTn id="51" dur="500"/>
-                                        <p:tgtEl>
-                                          <p:spTgt spid="25602">
-                                            <p:txEl>
-                                              <p:pRg st="11" end="11"/>
-                                            </p:txEl>
-                                          </p:spTgt>
-                                        </p:tgtEl>
-                                      </p:cBhvr>
-                                    </p:animEffect>
-                                  </p:childTnLst>
-                                </p:cTn>
-                              </p:par>
-                            </p:childTnLst>
-                          </p:cTn>
-                        </p:par>
-                      </p:childTnLst>
-                    </p:cTn>
-                  </p:par>
-                  <p:par>
-                    <p:cTn id="52" fill="hold">
-                      <p:stCondLst>
-                        <p:cond delay="indefinite"/>
-                      </p:stCondLst>
-                      <p:childTnLst>
-                        <p:par>
-                          <p:cTn id="53" fill="hold">
-                            <p:stCondLst>
-                              <p:cond delay="0"/>
-                            </p:stCondLst>
-                            <p:childTnLst>
-                              <p:par>
-                                <p:cTn id="54" presetID="10" presetClass="entr" presetSubtype="0" fill="hold" nodeType="clickEffect">
-                                  <p:stCondLst>
-                                    <p:cond delay="0"/>
-                                  </p:stCondLst>
-                                  <p:childTnLst>
-                                    <p:set>
-                                      <p:cBhvr>
-                                        <p:cTn id="55" dur="1" fill="hold">
-                                          <p:stCondLst>
-                                            <p:cond delay="0"/>
-                                          </p:stCondLst>
-                                        </p:cTn>
-                                        <p:tgtEl>
-                                          <p:spTgt spid="25602">
-                                            <p:txEl>
-                                              <p:pRg st="13" end="13"/>
-                                            </p:txEl>
-                                          </p:spTgt>
-                                        </p:tgtEl>
-                                        <p:attrNameLst>
-                                          <p:attrName>style.visibility</p:attrName>
-                                        </p:attrNameLst>
-                                      </p:cBhvr>
-                                      <p:to>
-                                        <p:strVal val="visible"/>
-                                      </p:to>
-                                    </p:set>
-                                    <p:animEffect transition="in" filter="fade">
-                                      <p:cBhvr>
-                                        <p:cTn id="56" dur="500"/>
+                                        <p:cTn id="52" dur="500"/>
                                         <p:tgtEl>
                                           <p:spTgt spid="25602">
                                             <p:txEl>
@@ -21849,7 +21760,7 @@
           <a:graphicData uri="http://schemas.openxmlformats.org/presentationml/2006/ole">
             <mc:AlternateContent xmlns:mc="http://schemas.openxmlformats.org/markup-compatibility/2006">
               <mc:Choice xmlns:v="urn:schemas-microsoft-com:vml" Requires="v">
-                <p:oleObj spid="_x0000_s13358" name="Bitmap Image" r:id="rId3" imgW="6620799" imgH="4371429" progId="Paint.Picture">
+                <p:oleObj spid="_x0000_s13362" name="Bitmap Image" r:id="rId3" imgW="6620799" imgH="4371429" progId="Paint.Picture">
                   <p:embed/>
                 </p:oleObj>
               </mc:Choice>
